--- a/Day 0/Day 0.pptx
+++ b/Day 0/Day 0.pptx
@@ -108,6 +108,11 @@
       </a:defRPr>
     </a:lvl9pPr>
   </p:defaultTextStyle>
+  <p:extLst>
+    <p:ext uri="{EFAFB233-063F-42B5-8137-9DF3F51BA10A}">
+      <p15:sldGuideLst xmlns:p15="http://schemas.microsoft.com/office/powerpoint/2012/main"/>
+    </p:ext>
+  </p:extLst>
 </p:presentation>
 </file>
 
@@ -3431,7 +3436,7 @@
         <p:spPr>
           <a:xfrm>
             <a:off x="261765" y="779090"/>
-            <a:ext cx="10477954" cy="1754326"/>
+            <a:ext cx="10477954" cy="2584810"/>
           </a:xfrm>
           <a:prstGeom prst="rect">
             <a:avLst/>
@@ -3453,6 +3458,72 @@
             </a:endParaRPr>
           </a:p>
           <a:p>
+            <a:pPr marL="285750" indent="-285750" defTabSz="914126">
+              <a:buFont typeface="Arial" panose="020B0604020202020204" pitchFamily="34" charset="0"/>
+              <a:buChar char="•"/>
+            </a:pPr>
+            <a:r>
+              <a:rPr lang="en-US" sz="1799" dirty="0">
+                <a:solidFill>
+                  <a:prstClr val="black"/>
+                </a:solidFill>
+                <a:latin typeface="Calibri"/>
+              </a:rPr>
+              <a:t>SAP UI5 is a framework to develop responsive web applications</a:t>
+            </a:r>
+          </a:p>
+          <a:p>
+            <a:pPr defTabSz="914126"/>
+            <a:r>
+              <a:rPr lang="en-US" sz="1799">
+                <a:solidFill>
+                  <a:prstClr val="black"/>
+                </a:solidFill>
+                <a:latin typeface="Calibri"/>
+              </a:rPr>
+              <a:t>         Framework – collection of </a:t>
+            </a:r>
+            <a:r>
+              <a:rPr lang="en-US" sz="1799" dirty="0">
+                <a:solidFill>
+                  <a:prstClr val="black"/>
+                </a:solidFill>
+                <a:latin typeface="Calibri"/>
+              </a:rPr>
+              <a:t>libraries</a:t>
+            </a:r>
+          </a:p>
+          <a:p>
+            <a:pPr defTabSz="914126"/>
+            <a:r>
+              <a:rPr lang="en-US" sz="1799" dirty="0">
+                <a:solidFill>
+                  <a:prstClr val="black"/>
+                </a:solidFill>
+                <a:latin typeface="Calibri"/>
+              </a:rPr>
+              <a:t>         Library  - Collection of class</a:t>
+            </a:r>
+          </a:p>
+          <a:p>
+            <a:pPr defTabSz="914126"/>
+            <a:r>
+              <a:rPr lang="en-US" sz="1799" dirty="0">
+                <a:solidFill>
+                  <a:prstClr val="black"/>
+                </a:solidFill>
+                <a:latin typeface="Calibri"/>
+              </a:rPr>
+              <a:t>         Class – collection of attributes, events, methods and functions</a:t>
+            </a:r>
+          </a:p>
+          <a:p>
+            <a:pPr algn="just"/>
+            <a:endParaRPr lang="en-US" sz="1800" b="0" i="0" dirty="0">
+              <a:effectLst/>
+            </a:endParaRPr>
+          </a:p>
+          <a:p>
             <a:pPr marL="342900" indent="-342900" algn="just">
               <a:buFont typeface="Arial" panose="020B0604020202020204" pitchFamily="34" charset="0"/>
               <a:buChar char="•"/>
@@ -3462,18 +3533,6 @@
                 <a:effectLst/>
               </a:rPr>
               <a:t>SAPUI5 (SAP user interface for HTML5) is a collection of libraries that you can use to build desktop and mobile applications that run in a browser. </a:t>
-            </a:r>
-          </a:p>
-          <a:p>
-            <a:pPr marL="342900" indent="-342900" algn="just">
-              <a:buFont typeface="Arial" panose="020B0604020202020204" pitchFamily="34" charset="0"/>
-              <a:buChar char="•"/>
-            </a:pPr>
-            <a:r>
-              <a:rPr lang="en-US" sz="1800" b="0" i="0" dirty="0">
-                <a:effectLst/>
-              </a:rPr>
-              <a:t>With the SAPUI5 JavaScript toolkit, you can create web applications using HTML5 web development standards.</a:t>
             </a:r>
           </a:p>
           <a:p>
@@ -3573,7 +3632,7 @@
         </p:blipFill>
         <p:spPr bwMode="auto">
           <a:xfrm>
-            <a:off x="7758952" y="2076173"/>
+            <a:off x="7624467" y="3264824"/>
             <a:ext cx="3756211" cy="1736795"/>
           </a:xfrm>
           <a:prstGeom prst="rect">
@@ -3620,7 +3679,7 @@
         </p:blipFill>
         <p:spPr bwMode="auto">
           <a:xfrm>
-            <a:off x="2554942" y="2861594"/>
+            <a:off x="2563906" y="3494101"/>
             <a:ext cx="5217460" cy="2925981"/>
           </a:xfrm>
           <a:prstGeom prst="rect">
